--- a/w1/w1-s5-av-slide1.pptx
+++ b/w1/w1-s5-av-slide1.pptx
@@ -593,7 +593,7 @@
           </a:ln>
           <a:extLst>
             <a:ext uri="{909E8E84-426E-40dd-AFC4-6F175D3DCCD1}">
-              <a14:hiddenFill xmlns="" xmlns:a14="http://schemas.microsoft.com/office/drawing/2010/main">
+              <a14:hiddenFill xmlns:a14="http://schemas.microsoft.com/office/drawing/2010/main" xmlns="">
                 <a:solidFill>
                   <a:srgbClr val="FFFFFF"/>
                 </a:solidFill>
@@ -3766,14 +3766,14 @@
           </a:ln>
           <a:extLst>
             <a:ext uri="{909E8E84-426E-40dd-AFC4-6F175D3DCCD1}">
-              <a14:hiddenFill xmlns="" xmlns:a14="http://schemas.microsoft.com/office/drawing/2010/main">
+              <a14:hiddenFill xmlns:a14="http://schemas.microsoft.com/office/drawing/2010/main" xmlns="">
                 <a:solidFill>
                   <a:srgbClr val="FFFFFF"/>
                 </a:solidFill>
               </a14:hiddenFill>
             </a:ext>
             <a:ext uri="{91240B29-F687-4f45-9708-019B960494DF}">
-              <a14:hiddenLine xmlns="" xmlns:a14="http://schemas.microsoft.com/office/drawing/2010/main" w="9525">
+              <a14:hiddenLine xmlns:a14="http://schemas.microsoft.com/office/drawing/2010/main" xmlns="" w="9525">
                 <a:solidFill>
                   <a:srgbClr val="000000"/>
                 </a:solidFill>
@@ -3824,14 +3824,14 @@
           </a:ln>
           <a:extLst>
             <a:ext uri="{909E8E84-426E-40dd-AFC4-6F175D3DCCD1}">
-              <a14:hiddenFill xmlns="" xmlns:a14="http://schemas.microsoft.com/office/drawing/2010/main">
+              <a14:hiddenFill xmlns:a14="http://schemas.microsoft.com/office/drawing/2010/main" xmlns="">
                 <a:solidFill>
                   <a:srgbClr val="FFFFFF"/>
                 </a:solidFill>
               </a14:hiddenFill>
             </a:ext>
             <a:ext uri="{91240B29-F687-4f45-9708-019B960494DF}">
-              <a14:hiddenLine xmlns="" xmlns:a14="http://schemas.microsoft.com/office/drawing/2010/main" w="9525">
+              <a14:hiddenLine xmlns:a14="http://schemas.microsoft.com/office/drawing/2010/main" xmlns="" w="9525">
                 <a:solidFill>
                   <a:srgbClr val="000000"/>
                 </a:solidFill>
@@ -5193,7 +5193,7 @@
         </p:nvSpPr>
         <p:spPr>
           <a:xfrm>
-            <a:off x="996464" y="1786754"/>
+            <a:off x="876303" y="1843584"/>
             <a:ext cx="7514492" cy="1077218"/>
           </a:xfrm>
           <a:prstGeom prst="rect">
@@ -5231,15 +5231,13 @@
         </p:nvSpPr>
         <p:spPr>
           <a:xfrm>
-            <a:off x="996464" y="1786754"/>
+            <a:off x="876303" y="1836098"/>
             <a:ext cx="7514492" cy="1077218"/>
           </a:xfrm>
           <a:prstGeom prst="rect">
             <a:avLst/>
           </a:prstGeom>
-          <a:solidFill>
-            <a:schemeClr val="bg1"/>
-          </a:solidFill>
+          <a:noFill/>
         </p:spPr>
         <p:txBody>
           <a:bodyPr wrap="square" rtlCol="0">
